--- a/presentazioneMaking.pptx
+++ b/presentazioneMaking.pptx
@@ -12,14 +12,15 @@
     <p:sldId id="260" r:id="rId6"/>
     <p:sldId id="261" r:id="rId7"/>
     <p:sldId id="264" r:id="rId8"/>
-    <p:sldId id="270" r:id="rId9"/>
-    <p:sldId id="269" r:id="rId10"/>
-    <p:sldId id="262" r:id="rId11"/>
-    <p:sldId id="263" r:id="rId12"/>
-    <p:sldId id="268" r:id="rId13"/>
-    <p:sldId id="265" r:id="rId14"/>
-    <p:sldId id="266" r:id="rId15"/>
-    <p:sldId id="267" r:id="rId16"/>
+    <p:sldId id="271" r:id="rId9"/>
+    <p:sldId id="268" r:id="rId10"/>
+    <p:sldId id="265" r:id="rId11"/>
+    <p:sldId id="266" r:id="rId12"/>
+    <p:sldId id="267" r:id="rId13"/>
+    <p:sldId id="270" r:id="rId14"/>
+    <p:sldId id="269" r:id="rId15"/>
+    <p:sldId id="262" r:id="rId16"/>
+    <p:sldId id="263" r:id="rId17"/>
   </p:sldIdLst>
   <p:sldSz cx="12192000" cy="6858000"/>
   <p:notesSz cx="6858000" cy="9144000"/>
@@ -273,7 +274,7 @@
           <a:p>
             <a:fld id="{CD7A36CC-F485-4BE6-B19E-519D2680B506}" type="datetimeFigureOut">
               <a:rPr lang="it-IT" smtClean="0"/>
-              <a:t>07/06/2025</a:t>
+              <a:t>09/06/2025</a:t>
             </a:fld>
             <a:endParaRPr lang="it-IT"/>
           </a:p>
@@ -471,7 +472,7 @@
           <a:p>
             <a:fld id="{CD7A36CC-F485-4BE6-B19E-519D2680B506}" type="datetimeFigureOut">
               <a:rPr lang="it-IT" smtClean="0"/>
-              <a:t>07/06/2025</a:t>
+              <a:t>09/06/2025</a:t>
             </a:fld>
             <a:endParaRPr lang="it-IT"/>
           </a:p>
@@ -679,7 +680,7 @@
           <a:p>
             <a:fld id="{CD7A36CC-F485-4BE6-B19E-519D2680B506}" type="datetimeFigureOut">
               <a:rPr lang="it-IT" smtClean="0"/>
-              <a:t>07/06/2025</a:t>
+              <a:t>09/06/2025</a:t>
             </a:fld>
             <a:endParaRPr lang="it-IT"/>
           </a:p>
@@ -877,7 +878,7 @@
           <a:p>
             <a:fld id="{CD7A36CC-F485-4BE6-B19E-519D2680B506}" type="datetimeFigureOut">
               <a:rPr lang="it-IT" smtClean="0"/>
-              <a:t>07/06/2025</a:t>
+              <a:t>09/06/2025</a:t>
             </a:fld>
             <a:endParaRPr lang="it-IT"/>
           </a:p>
@@ -1152,7 +1153,7 @@
           <a:p>
             <a:fld id="{CD7A36CC-F485-4BE6-B19E-519D2680B506}" type="datetimeFigureOut">
               <a:rPr lang="it-IT" smtClean="0"/>
-              <a:t>07/06/2025</a:t>
+              <a:t>09/06/2025</a:t>
             </a:fld>
             <a:endParaRPr lang="it-IT"/>
           </a:p>
@@ -1417,7 +1418,7 @@
           <a:p>
             <a:fld id="{CD7A36CC-F485-4BE6-B19E-519D2680B506}" type="datetimeFigureOut">
               <a:rPr lang="it-IT" smtClean="0"/>
-              <a:t>07/06/2025</a:t>
+              <a:t>09/06/2025</a:t>
             </a:fld>
             <a:endParaRPr lang="it-IT"/>
           </a:p>
@@ -1829,7 +1830,7 @@
           <a:p>
             <a:fld id="{CD7A36CC-F485-4BE6-B19E-519D2680B506}" type="datetimeFigureOut">
               <a:rPr lang="it-IT" smtClean="0"/>
-              <a:t>07/06/2025</a:t>
+              <a:t>09/06/2025</a:t>
             </a:fld>
             <a:endParaRPr lang="it-IT"/>
           </a:p>
@@ -1970,7 +1971,7 @@
           <a:p>
             <a:fld id="{CD7A36CC-F485-4BE6-B19E-519D2680B506}" type="datetimeFigureOut">
               <a:rPr lang="it-IT" smtClean="0"/>
-              <a:t>07/06/2025</a:t>
+              <a:t>09/06/2025</a:t>
             </a:fld>
             <a:endParaRPr lang="it-IT"/>
           </a:p>
@@ -2083,7 +2084,7 @@
           <a:p>
             <a:fld id="{CD7A36CC-F485-4BE6-B19E-519D2680B506}" type="datetimeFigureOut">
               <a:rPr lang="it-IT" smtClean="0"/>
-              <a:t>07/06/2025</a:t>
+              <a:t>09/06/2025</a:t>
             </a:fld>
             <a:endParaRPr lang="it-IT"/>
           </a:p>
@@ -2394,7 +2395,7 @@
           <a:p>
             <a:fld id="{CD7A36CC-F485-4BE6-B19E-519D2680B506}" type="datetimeFigureOut">
               <a:rPr lang="it-IT" smtClean="0"/>
-              <a:t>07/06/2025</a:t>
+              <a:t>09/06/2025</a:t>
             </a:fld>
             <a:endParaRPr lang="it-IT"/>
           </a:p>
@@ -2682,7 +2683,7 @@
           <a:p>
             <a:fld id="{CD7A36CC-F485-4BE6-B19E-519D2680B506}" type="datetimeFigureOut">
               <a:rPr lang="it-IT" smtClean="0"/>
-              <a:t>07/06/2025</a:t>
+              <a:t>09/06/2025</a:t>
             </a:fld>
             <a:endParaRPr lang="it-IT"/>
           </a:p>
@@ -2923,7 +2924,7 @@
           <a:p>
             <a:fld id="{CD7A36CC-F485-4BE6-B19E-519D2680B506}" type="datetimeFigureOut">
               <a:rPr lang="it-IT" smtClean="0"/>
-              <a:t>07/06/2025</a:t>
+              <a:t>09/06/2025</a:t>
             </a:fld>
             <a:endParaRPr lang="it-IT"/>
           </a:p>
@@ -3564,7 +3565,7 @@
           <p:cNvPr id="2" name="Titolo 1">
             <a:extLst>
               <a:ext uri="{FF2B5EF4-FFF2-40B4-BE49-F238E27FC236}">
-                <a16:creationId xmlns:a16="http://schemas.microsoft.com/office/drawing/2014/main" id="{2080A60F-31F8-2D23-9362-6524556F42A4}"/>
+                <a16:creationId xmlns:a16="http://schemas.microsoft.com/office/drawing/2014/main" id="{58D16AC0-791A-A52D-A054-5C351127D5EA}"/>
               </a:ext>
             </a:extLst>
           </p:cNvPr>
@@ -3582,78 +3583,51 @@
           <a:p>
             <a:r>
               <a:rPr lang="en-US" dirty="0"/>
-              <a:t>CONCLUSIONI</a:t>
+              <a:t>LED</a:t>
             </a:r>
             <a:endParaRPr lang="it-IT" dirty="0"/>
           </a:p>
         </p:txBody>
       </p:sp>
-      <p:sp>
-        <p:nvSpPr>
-          <p:cNvPr id="3" name="Segnaposto contenuto 2">
-            <a:extLst>
-              <a:ext uri="{FF2B5EF4-FFF2-40B4-BE49-F238E27FC236}">
-                <a16:creationId xmlns:a16="http://schemas.microsoft.com/office/drawing/2014/main" id="{BDFD0815-D04F-59E1-9D4B-B03FE3BD0C20}"/>
-              </a:ext>
-            </a:extLst>
-          </p:cNvPr>
-          <p:cNvSpPr>
-            <a:spLocks noGrp="1"/>
-          </p:cNvSpPr>
+      <p:pic>
+        <p:nvPicPr>
+          <p:cNvPr id="5" name="Segnaposto contenuto 4" descr="Immagine che contiene Ingegneria elettronica, circuito, Componente elettrico, Componente di circuito&#10;&#10;Il contenuto generato dall'IA potrebbe non essere corretto.">
+            <a:extLst>
+              <a:ext uri="{FF2B5EF4-FFF2-40B4-BE49-F238E27FC236}">
+                <a16:creationId xmlns:a16="http://schemas.microsoft.com/office/drawing/2014/main" id="{8678B409-2E2E-A5B8-1CF4-B2D1694C9817}"/>
+              </a:ext>
+            </a:extLst>
+          </p:cNvPr>
+          <p:cNvPicPr>
+            <a:picLocks noGrp="1" noChangeAspect="1"/>
+          </p:cNvPicPr>
           <p:nvPr>
             <p:ph idx="1"/>
           </p:nvPr>
-        </p:nvSpPr>
-        <p:spPr/>
-        <p:txBody>
-          <a:bodyPr>
-            <a:normAutofit fontScale="92500" lnSpcReduction="10000"/>
-          </a:bodyPr>
-          <a:lstStyle/>
-          <a:p>
-            <a:r>
-              <a:rPr lang="it-IT" dirty="0"/>
-              <a:t>Il progetto ha dimostrato la fattibilità di una sveglia alternativa basata su stimoli visivi e tattili.</a:t>
-            </a:r>
-          </a:p>
-          <a:p>
-            <a:r>
-              <a:rPr lang="it-IT" dirty="0"/>
-              <a:t>È stato sviluppato un prototipo completo che integra hardware, controllo remoto via Telegram Bot e gestione dati su </a:t>
-            </a:r>
-            <a:r>
-              <a:rPr lang="it-IT" dirty="0" err="1"/>
-              <a:t>Firebase</a:t>
-            </a:r>
-            <a:r>
-              <a:rPr lang="it-IT" dirty="0"/>
-              <a:t> Cloud, il tutto in un case 3D personalizzato.</a:t>
-            </a:r>
-          </a:p>
-          <a:p>
-            <a:r>
-              <a:rPr lang="it-IT" dirty="0"/>
-              <a:t>L'iterazione progettuale ha permesso di affrontare e risolvere sfide tecniche, consolidando l'apprendimento pratico.</a:t>
-            </a:r>
-          </a:p>
-          <a:p>
-            <a:r>
-              <a:rPr lang="it-IT" dirty="0"/>
-              <a:t>Il prototipo attuale raggiunge l'obiettivo primario di fornire un sistema di sveglia efficace e personalizzabile.</a:t>
-            </a:r>
-          </a:p>
-          <a:p>
-            <a:r>
-              <a:rPr lang="it-IT" dirty="0"/>
-              <a:t>Esistono margini di miglioramento per le notifiche fisiche e la resilienza alla disconnessione da Internet.</a:t>
-            </a:r>
-          </a:p>
-        </p:txBody>
-      </p:sp>
+        </p:nvPicPr>
+        <p:blipFill>
+          <a:blip r:embed="rId2">
+            <a:extLst>
+              <a:ext uri="{28A0092B-C50C-407E-A947-70E740481C1C}">
+                <a14:useLocalDpi xmlns:a14="http://schemas.microsoft.com/office/drawing/2010/main" val="0"/>
+              </a:ext>
+            </a:extLst>
+          </a:blip>
+          <a:stretch>
+            <a:fillRect/>
+          </a:stretch>
+        </p:blipFill>
+        <p:spPr>
+          <a:xfrm>
+            <a:off x="2507809" y="1430448"/>
+            <a:ext cx="7533390" cy="4829096"/>
+          </a:xfrm>
+        </p:spPr>
+      </p:pic>
     </p:spTree>
     <p:extLst>
       <p:ext uri="{BB962C8B-B14F-4D97-AF65-F5344CB8AC3E}">
-        <p14:creationId xmlns:p14="http://schemas.microsoft.com/office/powerpoint/2010/main" val="2510062230"/>
+        <p14:creationId xmlns:p14="http://schemas.microsoft.com/office/powerpoint/2010/main" val="1905201875"/>
       </p:ext>
     </p:extLst>
   </p:cSld>
@@ -3685,7 +3659,7 @@
           <p:cNvPr id="2" name="Titolo 1">
             <a:extLst>
               <a:ext uri="{FF2B5EF4-FFF2-40B4-BE49-F238E27FC236}">
-                <a16:creationId xmlns:a16="http://schemas.microsoft.com/office/drawing/2014/main" id="{8AECA7E5-5395-6DBA-E1FC-8E5F385E72E1}"/>
+                <a16:creationId xmlns:a16="http://schemas.microsoft.com/office/drawing/2014/main" id="{6B17D522-1233-3CD4-E964-65A3956E6B04}"/>
               </a:ext>
             </a:extLst>
           </p:cNvPr>
@@ -3701,68 +3675,53 @@
           <a:bodyPr/>
           <a:lstStyle/>
           <a:p>
+            <a:r>
+              <a:rPr lang="en-US" dirty="0"/>
+              <a:t>VIBRATOR MOTOR</a:t>
+            </a:r>
             <a:endParaRPr lang="it-IT" dirty="0"/>
           </a:p>
         </p:txBody>
       </p:sp>
-      <p:sp>
-        <p:nvSpPr>
-          <p:cNvPr id="3" name="Segnaposto contenuto 2">
-            <a:extLst>
-              <a:ext uri="{FF2B5EF4-FFF2-40B4-BE49-F238E27FC236}">
-                <a16:creationId xmlns:a16="http://schemas.microsoft.com/office/drawing/2014/main" id="{CC3B0B13-A857-DAA8-79D7-7258B03879CF}"/>
-              </a:ext>
-            </a:extLst>
-          </p:cNvPr>
-          <p:cNvSpPr>
-            <a:spLocks noGrp="1"/>
-          </p:cNvSpPr>
+      <p:pic>
+        <p:nvPicPr>
+          <p:cNvPr id="5" name="Segnaposto contenuto 4" descr="Immagine che contiene testo, circuito, elettronica, Ingegneria elettronica&#10;&#10;Il contenuto generato dall'IA potrebbe non essere corretto.">
+            <a:extLst>
+              <a:ext uri="{FF2B5EF4-FFF2-40B4-BE49-F238E27FC236}">
+                <a16:creationId xmlns:a16="http://schemas.microsoft.com/office/drawing/2014/main" id="{A7125547-D116-943D-0D2B-580462CD3C5A}"/>
+              </a:ext>
+            </a:extLst>
+          </p:cNvPr>
+          <p:cNvPicPr>
+            <a:picLocks noGrp="1" noChangeAspect="1"/>
+          </p:cNvPicPr>
           <p:nvPr>
             <p:ph idx="1"/>
           </p:nvPr>
-        </p:nvSpPr>
-        <p:spPr/>
-        <p:txBody>
-          <a:bodyPr/>
-          <a:lstStyle/>
-          <a:p>
-            <a:pPr marL="0" indent="0" algn="ctr">
-              <a:buNone/>
-            </a:pPr>
-            <a:endParaRPr lang="en-US" dirty="0"/>
-          </a:p>
-          <a:p>
-            <a:pPr marL="0" indent="0" algn="ctr">
-              <a:buNone/>
-            </a:pPr>
-            <a:endParaRPr lang="en-US" dirty="0"/>
-          </a:p>
-          <a:p>
-            <a:pPr marL="0" indent="0" algn="ctr">
-              <a:buNone/>
-            </a:pPr>
-            <a:endParaRPr lang="en-US" dirty="0"/>
-          </a:p>
-          <a:p>
-            <a:pPr marL="0" indent="0" algn="ctr">
-              <a:buNone/>
-            </a:pPr>
-            <a:r>
-              <a:rPr lang="en-US" sz="4000" dirty="0"/>
-              <a:t>Grazie per </a:t>
-            </a:r>
-            <a:r>
-              <a:rPr lang="en-US" sz="4000" dirty="0" err="1"/>
-              <a:t>l’attenzione</a:t>
-            </a:r>
-            <a:endParaRPr lang="it-IT" sz="4000" dirty="0"/>
-          </a:p>
-        </p:txBody>
-      </p:sp>
+        </p:nvPicPr>
+        <p:blipFill>
+          <a:blip r:embed="rId2">
+            <a:extLst>
+              <a:ext uri="{28A0092B-C50C-407E-A947-70E740481C1C}">
+                <a14:useLocalDpi xmlns:a14="http://schemas.microsoft.com/office/drawing/2010/main" val="0"/>
+              </a:ext>
+            </a:extLst>
+          </a:blip>
+          <a:stretch>
+            <a:fillRect/>
+          </a:stretch>
+        </p:blipFill>
+        <p:spPr>
+          <a:xfrm>
+            <a:off x="2453489" y="1562524"/>
+            <a:ext cx="7161291" cy="5190405"/>
+          </a:xfrm>
+        </p:spPr>
+      </p:pic>
     </p:spTree>
     <p:extLst>
       <p:ext uri="{BB962C8B-B14F-4D97-AF65-F5344CB8AC3E}">
-        <p14:creationId xmlns:p14="http://schemas.microsoft.com/office/powerpoint/2010/main" val="3347038942"/>
+        <p14:creationId xmlns:p14="http://schemas.microsoft.com/office/powerpoint/2010/main" val="1257376585"/>
       </p:ext>
     </p:extLst>
   </p:cSld>
@@ -3794,7 +3753,7 @@
           <p:cNvPr id="2" name="Titolo 1">
             <a:extLst>
               <a:ext uri="{FF2B5EF4-FFF2-40B4-BE49-F238E27FC236}">
-                <a16:creationId xmlns:a16="http://schemas.microsoft.com/office/drawing/2014/main" id="{8BEC497F-C2F3-7B35-5A7E-2AE32DA55E31}"/>
+                <a16:creationId xmlns:a16="http://schemas.microsoft.com/office/drawing/2014/main" id="{B56AB8BE-C026-F172-1464-21418FD76CB4}"/>
               </a:ext>
             </a:extLst>
           </p:cNvPr>
@@ -3812,7 +3771,7 @@
           <a:p>
             <a:r>
               <a:rPr lang="en-US" dirty="0"/>
-              <a:t>SCHERMO LCD</a:t>
+              <a:t>PULSANTI</a:t>
             </a:r>
             <a:endParaRPr lang="it-IT" dirty="0"/>
           </a:p>
@@ -3820,10 +3779,10 @@
       </p:sp>
       <p:pic>
         <p:nvPicPr>
-          <p:cNvPr id="5" name="Segnaposto contenuto 4" descr="Immagine che contiene circuito, schermata, linea, Ingegneria elettronica&#10;&#10;Il contenuto generato dall'IA potrebbe non essere corretto.">
-            <a:extLst>
-              <a:ext uri="{FF2B5EF4-FFF2-40B4-BE49-F238E27FC236}">
-                <a16:creationId xmlns:a16="http://schemas.microsoft.com/office/drawing/2014/main" id="{1AE317FD-2652-898A-03D0-441B206ACAA0}"/>
+          <p:cNvPr id="5" name="Segnaposto contenuto 4" descr="Immagine che contiene circuito, Ingegneria elettronica, linea, testo&#10;&#10;Il contenuto generato dall'IA potrebbe non essere corretto.">
+            <a:extLst>
+              <a:ext uri="{FF2B5EF4-FFF2-40B4-BE49-F238E27FC236}">
+                <a16:creationId xmlns:a16="http://schemas.microsoft.com/office/drawing/2014/main" id="{F270BC88-6957-6749-6091-3B1B38ED873B}"/>
               </a:ext>
             </a:extLst>
           </p:cNvPr>
@@ -3848,15 +3807,15 @@
         </p:blipFill>
         <p:spPr>
           <a:xfrm>
-            <a:off x="1618314" y="1520982"/>
-            <a:ext cx="8955371" cy="5045280"/>
+            <a:off x="2362954" y="1608316"/>
+            <a:ext cx="7462152" cy="4783431"/>
           </a:xfrm>
         </p:spPr>
       </p:pic>
     </p:spTree>
     <p:extLst>
       <p:ext uri="{BB962C8B-B14F-4D97-AF65-F5344CB8AC3E}">
-        <p14:creationId xmlns:p14="http://schemas.microsoft.com/office/powerpoint/2010/main" val="2816279099"/>
+        <p14:creationId xmlns:p14="http://schemas.microsoft.com/office/powerpoint/2010/main" val="1728550202"/>
       </p:ext>
     </p:extLst>
   </p:cSld>
@@ -3888,7 +3847,7 @@
           <p:cNvPr id="2" name="Titolo 1">
             <a:extLst>
               <a:ext uri="{FF2B5EF4-FFF2-40B4-BE49-F238E27FC236}">
-                <a16:creationId xmlns:a16="http://schemas.microsoft.com/office/drawing/2014/main" id="{58D16AC0-791A-A52D-A054-5C351127D5EA}"/>
+                <a16:creationId xmlns:a16="http://schemas.microsoft.com/office/drawing/2014/main" id="{308804CE-058F-1D68-2A6B-B4A08585FD6D}"/>
               </a:ext>
             </a:extLst>
           </p:cNvPr>
@@ -3906,51 +3865,59 @@
           <a:p>
             <a:r>
               <a:rPr lang="en-US" dirty="0"/>
-              <a:t>LED</a:t>
+              <a:t>SFIDE INCONTRATE</a:t>
             </a:r>
             <a:endParaRPr lang="it-IT" dirty="0"/>
           </a:p>
         </p:txBody>
       </p:sp>
-      <p:pic>
-        <p:nvPicPr>
-          <p:cNvPr id="5" name="Segnaposto contenuto 4" descr="Immagine che contiene Ingegneria elettronica, circuito, Componente elettrico, Componente di circuito&#10;&#10;Il contenuto generato dall'IA potrebbe non essere corretto.">
-            <a:extLst>
-              <a:ext uri="{FF2B5EF4-FFF2-40B4-BE49-F238E27FC236}">
-                <a16:creationId xmlns:a16="http://schemas.microsoft.com/office/drawing/2014/main" id="{8678B409-2E2E-A5B8-1CF4-B2D1694C9817}"/>
-              </a:ext>
-            </a:extLst>
-          </p:cNvPr>
-          <p:cNvPicPr>
-            <a:picLocks noGrp="1" noChangeAspect="1"/>
-          </p:cNvPicPr>
+      <p:sp>
+        <p:nvSpPr>
+          <p:cNvPr id="3" name="Segnaposto contenuto 2">
+            <a:extLst>
+              <a:ext uri="{FF2B5EF4-FFF2-40B4-BE49-F238E27FC236}">
+                <a16:creationId xmlns:a16="http://schemas.microsoft.com/office/drawing/2014/main" id="{6811E767-7D99-D8E7-683E-FCFFEABCAD18}"/>
+              </a:ext>
+            </a:extLst>
+          </p:cNvPr>
+          <p:cNvSpPr>
+            <a:spLocks noGrp="1"/>
+          </p:cNvSpPr>
           <p:nvPr>
             <p:ph idx="1"/>
           </p:nvPr>
-        </p:nvPicPr>
-        <p:blipFill>
-          <a:blip r:embed="rId2">
-            <a:extLst>
-              <a:ext uri="{28A0092B-C50C-407E-A947-70E740481C1C}">
-                <a14:useLocalDpi xmlns:a14="http://schemas.microsoft.com/office/drawing/2010/main" val="0"/>
-              </a:ext>
-            </a:extLst>
-          </a:blip>
-          <a:stretch>
-            <a:fillRect/>
-          </a:stretch>
-        </p:blipFill>
-        <p:spPr>
-          <a:xfrm>
-            <a:off x="2507809" y="1430448"/>
-            <a:ext cx="7533390" cy="4829096"/>
-          </a:xfrm>
-        </p:spPr>
-      </p:pic>
+        </p:nvSpPr>
+        <p:spPr/>
+        <p:txBody>
+          <a:bodyPr/>
+          <a:lstStyle/>
+          <a:p>
+            <a:r>
+              <a:rPr lang="it-IT" dirty="0"/>
+              <a:t>Durante lo sviluppo del progetto, sono emerse alcune sfide tecniche che hanno richiesto l'adozione di soluzioni alternative.</a:t>
+            </a:r>
+          </a:p>
+          <a:p>
+            <a:r>
+              <a:rPr lang="it-IT" dirty="0"/>
+              <a:t>Si è riscontrato un problema con il sensore di movimento, che creava troppi falsi positivi.</a:t>
+            </a:r>
+          </a:p>
+          <a:p>
+            <a:r>
+              <a:rPr lang="it-IT" dirty="0"/>
+              <a:t>Si è incontrata difficoltà nella stampa del case in 3D, poiché inizialmente si è tentato di stampare con una stampante che presentava difetti nel piatto.</a:t>
+            </a:r>
+          </a:p>
+          <a:p>
+            <a:endParaRPr lang="it-IT" dirty="0"/>
+          </a:p>
+        </p:txBody>
+      </p:sp>
     </p:spTree>
     <p:extLst>
       <p:ext uri="{BB962C8B-B14F-4D97-AF65-F5344CB8AC3E}">
-        <p14:creationId xmlns:p14="http://schemas.microsoft.com/office/powerpoint/2010/main" val="1905201875"/>
+        <p14:creationId xmlns:p14="http://schemas.microsoft.com/office/powerpoint/2010/main" val="124044250"/>
       </p:ext>
     </p:extLst>
   </p:cSld>
@@ -3982,7 +3949,7 @@
           <p:cNvPr id="2" name="Titolo 1">
             <a:extLst>
               <a:ext uri="{FF2B5EF4-FFF2-40B4-BE49-F238E27FC236}">
-                <a16:creationId xmlns:a16="http://schemas.microsoft.com/office/drawing/2014/main" id="{6B17D522-1233-3CD4-E964-65A3956E6B04}"/>
+                <a16:creationId xmlns:a16="http://schemas.microsoft.com/office/drawing/2014/main" id="{AFAC9B1D-DB60-A606-5F6C-34E9D20C2254}"/>
               </a:ext>
             </a:extLst>
           </p:cNvPr>
@@ -4000,51 +3967,78 @@
           <a:p>
             <a:r>
               <a:rPr lang="en-US" dirty="0"/>
-              <a:t>VIBRATOR MOTOR</a:t>
+              <a:t>LAVORI FUTURI</a:t>
             </a:r>
             <a:endParaRPr lang="it-IT" dirty="0"/>
           </a:p>
         </p:txBody>
       </p:sp>
-      <p:pic>
-        <p:nvPicPr>
-          <p:cNvPr id="5" name="Segnaposto contenuto 4" descr="Immagine che contiene testo, circuito, elettronica, Ingegneria elettronica&#10;&#10;Il contenuto generato dall'IA potrebbe non essere corretto.">
-            <a:extLst>
-              <a:ext uri="{FF2B5EF4-FFF2-40B4-BE49-F238E27FC236}">
-                <a16:creationId xmlns:a16="http://schemas.microsoft.com/office/drawing/2014/main" id="{A7125547-D116-943D-0D2B-580462CD3C5A}"/>
-              </a:ext>
-            </a:extLst>
-          </p:cNvPr>
-          <p:cNvPicPr>
-            <a:picLocks noGrp="1" noChangeAspect="1"/>
-          </p:cNvPicPr>
+      <p:sp>
+        <p:nvSpPr>
+          <p:cNvPr id="3" name="Segnaposto contenuto 2">
+            <a:extLst>
+              <a:ext uri="{FF2B5EF4-FFF2-40B4-BE49-F238E27FC236}">
+                <a16:creationId xmlns:a16="http://schemas.microsoft.com/office/drawing/2014/main" id="{D2B9B3AF-ED37-49F0-DF46-2D2463D0FB9C}"/>
+              </a:ext>
+            </a:extLst>
+          </p:cNvPr>
+          <p:cNvSpPr>
+            <a:spLocks noGrp="1"/>
+          </p:cNvSpPr>
           <p:nvPr>
             <p:ph idx="1"/>
           </p:nvPr>
-        </p:nvPicPr>
-        <p:blipFill>
-          <a:blip r:embed="rId2">
-            <a:extLst>
-              <a:ext uri="{28A0092B-C50C-407E-A947-70E740481C1C}">
-                <a14:useLocalDpi xmlns:a14="http://schemas.microsoft.com/office/drawing/2010/main" val="0"/>
-              </a:ext>
-            </a:extLst>
-          </a:blip>
-          <a:stretch>
-            <a:fillRect/>
-          </a:stretch>
-        </p:blipFill>
-        <p:spPr>
-          <a:xfrm>
-            <a:off x="2453489" y="1562524"/>
-            <a:ext cx="7161291" cy="5190405"/>
-          </a:xfrm>
-        </p:spPr>
-      </p:pic>
+        </p:nvSpPr>
+        <p:spPr/>
+        <p:txBody>
+          <a:bodyPr>
+            <a:normAutofit fontScale="85000" lnSpcReduction="20000"/>
+          </a:bodyPr>
+          <a:lstStyle/>
+          <a:p>
+            <a:r>
+              <a:rPr lang="it-IT" dirty="0"/>
+              <a:t>Ottimizzazione del Case 3D: si può migliorare il design integrando una chiusura magnetica per la parete rimovibile.</a:t>
+            </a:r>
+          </a:p>
+          <a:p>
+            <a:r>
+              <a:rPr lang="it-IT" dirty="0"/>
+              <a:t>Potenziamento delle Notifiche Fisiche: si può aumentare l'efficacia delle segnalazioni tattili e visive con un motorino vibrante più potente e LED ad alta luminosità o in numero maggiore.</a:t>
+            </a:r>
+          </a:p>
+          <a:p>
+            <a:r>
+              <a:rPr lang="it-IT" dirty="0"/>
+              <a:t>Maggiore Accessibilità: si potrebbe integrare un buzzer per fornire notifiche sonore personalizzabili, rendendo la sveglia fruibile anche per utenti ipoudenti.</a:t>
+            </a:r>
+          </a:p>
+          <a:p>
+            <a:r>
+              <a:rPr lang="it-IT" dirty="0"/>
+              <a:t>Funzionalità Software Avanzate: si possono introdurre sveglie ricorrenti dal bot Telegram o l'integrazione con servizi smart home.</a:t>
+            </a:r>
+          </a:p>
+          <a:p>
+            <a:r>
+              <a:rPr lang="it-IT" dirty="0"/>
+              <a:t>Affidabilità Migliorata: si può implementare un backup locale delle sveglie sul </a:t>
+            </a:r>
+            <a:r>
+              <a:rPr lang="it-IT" dirty="0" err="1"/>
+              <a:t>Raspberry</a:t>
+            </a:r>
+            <a:r>
+              <a:rPr lang="it-IT" dirty="0"/>
+              <a:t> Pi per garantire il funzionamento anche senza connessione internet.</a:t>
+            </a:r>
+          </a:p>
+        </p:txBody>
+      </p:sp>
     </p:spTree>
     <p:extLst>
       <p:ext uri="{BB962C8B-B14F-4D97-AF65-F5344CB8AC3E}">
-        <p14:creationId xmlns:p14="http://schemas.microsoft.com/office/powerpoint/2010/main" val="1257376585"/>
+        <p14:creationId xmlns:p14="http://schemas.microsoft.com/office/powerpoint/2010/main" val="3111798312"/>
       </p:ext>
     </p:extLst>
   </p:cSld>
@@ -4076,7 +4070,7 @@
           <p:cNvPr id="2" name="Titolo 1">
             <a:extLst>
               <a:ext uri="{FF2B5EF4-FFF2-40B4-BE49-F238E27FC236}">
-                <a16:creationId xmlns:a16="http://schemas.microsoft.com/office/drawing/2014/main" id="{B56AB8BE-C026-F172-1464-21418FD76CB4}"/>
+                <a16:creationId xmlns:a16="http://schemas.microsoft.com/office/drawing/2014/main" id="{2080A60F-31F8-2D23-9362-6524556F42A4}"/>
               </a:ext>
             </a:extLst>
           </p:cNvPr>
@@ -4094,51 +4088,187 @@
           <a:p>
             <a:r>
               <a:rPr lang="en-US" dirty="0"/>
-              <a:t>PULSANTI</a:t>
+              <a:t>CONCLUSIONI</a:t>
             </a:r>
             <a:endParaRPr lang="it-IT" dirty="0"/>
           </a:p>
         </p:txBody>
       </p:sp>
-      <p:pic>
-        <p:nvPicPr>
-          <p:cNvPr id="5" name="Segnaposto contenuto 4" descr="Immagine che contiene circuito, Ingegneria elettronica, linea, testo&#10;&#10;Il contenuto generato dall'IA potrebbe non essere corretto.">
-            <a:extLst>
-              <a:ext uri="{FF2B5EF4-FFF2-40B4-BE49-F238E27FC236}">
-                <a16:creationId xmlns:a16="http://schemas.microsoft.com/office/drawing/2014/main" id="{F270BC88-6957-6749-6091-3B1B38ED873B}"/>
-              </a:ext>
-            </a:extLst>
-          </p:cNvPr>
-          <p:cNvPicPr>
-            <a:picLocks noGrp="1" noChangeAspect="1"/>
-          </p:cNvPicPr>
+      <p:sp>
+        <p:nvSpPr>
+          <p:cNvPr id="3" name="Segnaposto contenuto 2">
+            <a:extLst>
+              <a:ext uri="{FF2B5EF4-FFF2-40B4-BE49-F238E27FC236}">
+                <a16:creationId xmlns:a16="http://schemas.microsoft.com/office/drawing/2014/main" id="{BDFD0815-D04F-59E1-9D4B-B03FE3BD0C20}"/>
+              </a:ext>
+            </a:extLst>
+          </p:cNvPr>
+          <p:cNvSpPr>
+            <a:spLocks noGrp="1"/>
+          </p:cNvSpPr>
           <p:nvPr>
             <p:ph idx="1"/>
           </p:nvPr>
-        </p:nvPicPr>
-        <p:blipFill>
-          <a:blip r:embed="rId2">
-            <a:extLst>
-              <a:ext uri="{28A0092B-C50C-407E-A947-70E740481C1C}">
-                <a14:useLocalDpi xmlns:a14="http://schemas.microsoft.com/office/drawing/2010/main" val="0"/>
-              </a:ext>
-            </a:extLst>
-          </a:blip>
-          <a:stretch>
-            <a:fillRect/>
-          </a:stretch>
-        </p:blipFill>
-        <p:spPr>
-          <a:xfrm>
-            <a:off x="2362954" y="1608316"/>
-            <a:ext cx="7462152" cy="4783431"/>
-          </a:xfrm>
-        </p:spPr>
-      </p:pic>
+        </p:nvSpPr>
+        <p:spPr/>
+        <p:txBody>
+          <a:bodyPr>
+            <a:normAutofit fontScale="92500" lnSpcReduction="10000"/>
+          </a:bodyPr>
+          <a:lstStyle/>
+          <a:p>
+            <a:r>
+              <a:rPr lang="it-IT" dirty="0"/>
+              <a:t>Il progetto ha dimostrato la fattibilità di una sveglia alternativa basata su stimoli visivi e tattili.</a:t>
+            </a:r>
+          </a:p>
+          <a:p>
+            <a:r>
+              <a:rPr lang="it-IT" dirty="0"/>
+              <a:t>È stato sviluppato un prototipo completo che integra hardware, controllo remoto via Telegram Bot e gestione dati su </a:t>
+            </a:r>
+            <a:r>
+              <a:rPr lang="it-IT" dirty="0" err="1"/>
+              <a:t>Firebase</a:t>
+            </a:r>
+            <a:r>
+              <a:rPr lang="it-IT" dirty="0"/>
+              <a:t> Cloud, il tutto in un case 3D personalizzato.</a:t>
+            </a:r>
+          </a:p>
+          <a:p>
+            <a:r>
+              <a:rPr lang="it-IT" dirty="0"/>
+              <a:t>L'iterazione progettuale ha permesso di affrontare e risolvere sfide tecniche, consolidando l'apprendimento pratico.</a:t>
+            </a:r>
+          </a:p>
+          <a:p>
+            <a:r>
+              <a:rPr lang="it-IT" dirty="0"/>
+              <a:t>Il prototipo attuale raggiunge l'obiettivo primario di fornire un sistema di sveglia efficace e personalizzabile.</a:t>
+            </a:r>
+          </a:p>
+          <a:p>
+            <a:r>
+              <a:rPr lang="it-IT" dirty="0"/>
+              <a:t>Esistono margini di miglioramento per le notifiche fisiche e la resilienza alla disconnessione da Internet.</a:t>
+            </a:r>
+          </a:p>
+        </p:txBody>
+      </p:sp>
     </p:spTree>
     <p:extLst>
       <p:ext uri="{BB962C8B-B14F-4D97-AF65-F5344CB8AC3E}">
-        <p14:creationId xmlns:p14="http://schemas.microsoft.com/office/powerpoint/2010/main" val="1728550202"/>
+        <p14:creationId xmlns:p14="http://schemas.microsoft.com/office/powerpoint/2010/main" val="2510062230"/>
+      </p:ext>
+    </p:extLst>
+  </p:cSld>
+  <p:clrMapOvr>
+    <a:masterClrMapping/>
+  </p:clrMapOvr>
+</p:sld>
+</file>
+
+<file path=ppt/slides/slide16.xml><?xml version="1.0" encoding="utf-8"?>
+<p:sld xmlns:a="http://schemas.openxmlformats.org/drawingml/2006/main" xmlns:r="http://schemas.openxmlformats.org/officeDocument/2006/relationships" xmlns:p="http://schemas.openxmlformats.org/presentationml/2006/main">
+  <p:cSld>
+    <p:spTree>
+      <p:nvGrpSpPr>
+        <p:cNvPr id="1" name=""/>
+        <p:cNvGrpSpPr/>
+        <p:nvPr/>
+      </p:nvGrpSpPr>
+      <p:grpSpPr>
+        <a:xfrm>
+          <a:off x="0" y="0"/>
+          <a:ext cx="0" cy="0"/>
+          <a:chOff x="0" y="0"/>
+          <a:chExt cx="0" cy="0"/>
+        </a:xfrm>
+      </p:grpSpPr>
+      <p:sp>
+        <p:nvSpPr>
+          <p:cNvPr id="2" name="Titolo 1">
+            <a:extLst>
+              <a:ext uri="{FF2B5EF4-FFF2-40B4-BE49-F238E27FC236}">
+                <a16:creationId xmlns:a16="http://schemas.microsoft.com/office/drawing/2014/main" id="{8AECA7E5-5395-6DBA-E1FC-8E5F385E72E1}"/>
+              </a:ext>
+            </a:extLst>
+          </p:cNvPr>
+          <p:cNvSpPr>
+            <a:spLocks noGrp="1"/>
+          </p:cNvSpPr>
+          <p:nvPr>
+            <p:ph type="title"/>
+          </p:nvPr>
+        </p:nvSpPr>
+        <p:spPr/>
+        <p:txBody>
+          <a:bodyPr/>
+          <a:lstStyle/>
+          <a:p>
+            <a:endParaRPr lang="it-IT" dirty="0"/>
+          </a:p>
+        </p:txBody>
+      </p:sp>
+      <p:sp>
+        <p:nvSpPr>
+          <p:cNvPr id="3" name="Segnaposto contenuto 2">
+            <a:extLst>
+              <a:ext uri="{FF2B5EF4-FFF2-40B4-BE49-F238E27FC236}">
+                <a16:creationId xmlns:a16="http://schemas.microsoft.com/office/drawing/2014/main" id="{CC3B0B13-A857-DAA8-79D7-7258B03879CF}"/>
+              </a:ext>
+            </a:extLst>
+          </p:cNvPr>
+          <p:cNvSpPr>
+            <a:spLocks noGrp="1"/>
+          </p:cNvSpPr>
+          <p:nvPr>
+            <p:ph idx="1"/>
+          </p:nvPr>
+        </p:nvSpPr>
+        <p:spPr/>
+        <p:txBody>
+          <a:bodyPr/>
+          <a:lstStyle/>
+          <a:p>
+            <a:pPr marL="0" indent="0" algn="ctr">
+              <a:buNone/>
+            </a:pPr>
+            <a:endParaRPr lang="en-US" dirty="0"/>
+          </a:p>
+          <a:p>
+            <a:pPr marL="0" indent="0" algn="ctr">
+              <a:buNone/>
+            </a:pPr>
+            <a:endParaRPr lang="en-US" dirty="0"/>
+          </a:p>
+          <a:p>
+            <a:pPr marL="0" indent="0" algn="ctr">
+              <a:buNone/>
+            </a:pPr>
+            <a:endParaRPr lang="en-US" dirty="0"/>
+          </a:p>
+          <a:p>
+            <a:pPr marL="0" indent="0" algn="ctr">
+              <a:buNone/>
+            </a:pPr>
+            <a:r>
+              <a:rPr lang="en-US" sz="4000" dirty="0"/>
+              <a:t>Grazie per </a:t>
+            </a:r>
+            <a:r>
+              <a:rPr lang="en-US" sz="4000" dirty="0" err="1"/>
+              <a:t>l’attenzione</a:t>
+            </a:r>
+            <a:endParaRPr lang="it-IT" sz="4000" dirty="0"/>
+          </a:p>
+        </p:txBody>
+      </p:sp>
+    </p:spTree>
+    <p:extLst>
+      <p:ext uri="{BB962C8B-B14F-4D97-AF65-F5344CB8AC3E}">
+        <p14:creationId xmlns:p14="http://schemas.microsoft.com/office/powerpoint/2010/main" val="3347038942"/>
       </p:ext>
     </p:extLst>
   </p:cSld>
@@ -4829,7 +4959,7 @@
           <a:p>
             <a:r>
               <a:rPr lang="en-US" dirty="0"/>
-              <a:t>STAMPA 3D </a:t>
+              <a:t>DESIGN 3D </a:t>
             </a:r>
             <a:endParaRPr lang="it-IT" dirty="0"/>
           </a:p>
@@ -4905,7 +5035,7 @@
           <p:cNvPr id="2" name="Titolo 1">
             <a:extLst>
               <a:ext uri="{FF2B5EF4-FFF2-40B4-BE49-F238E27FC236}">
-                <a16:creationId xmlns:a16="http://schemas.microsoft.com/office/drawing/2014/main" id="{308804CE-058F-1D68-2A6B-B4A08585FD6D}"/>
+                <a16:creationId xmlns:a16="http://schemas.microsoft.com/office/drawing/2014/main" id="{E89D74B8-6375-BC16-AFB6-63713B632910}"/>
               </a:ext>
             </a:extLst>
           </p:cNvPr>
@@ -4923,59 +5053,51 @@
           <a:p>
             <a:r>
               <a:rPr lang="en-US" dirty="0"/>
-              <a:t>SFIDE INCONTRATE</a:t>
+              <a:t>STAMPA 3D</a:t>
             </a:r>
             <a:endParaRPr lang="it-IT" dirty="0"/>
           </a:p>
         </p:txBody>
       </p:sp>
-      <p:sp>
-        <p:nvSpPr>
-          <p:cNvPr id="3" name="Segnaposto contenuto 2">
-            <a:extLst>
-              <a:ext uri="{FF2B5EF4-FFF2-40B4-BE49-F238E27FC236}">
-                <a16:creationId xmlns:a16="http://schemas.microsoft.com/office/drawing/2014/main" id="{6811E767-7D99-D8E7-683E-FCFFEABCAD18}"/>
-              </a:ext>
-            </a:extLst>
-          </p:cNvPr>
-          <p:cNvSpPr>
-            <a:spLocks noGrp="1"/>
-          </p:cNvSpPr>
+      <p:pic>
+        <p:nvPicPr>
+          <p:cNvPr id="5" name="Segnaposto contenuto 4" descr="Immagine che contiene testo, schermata, diagramma, software&#10;&#10;Il contenuto generato dall'IA potrebbe non essere corretto.">
+            <a:extLst>
+              <a:ext uri="{FF2B5EF4-FFF2-40B4-BE49-F238E27FC236}">
+                <a16:creationId xmlns:a16="http://schemas.microsoft.com/office/drawing/2014/main" id="{35389FBB-279F-E45D-E7A3-19F0BB5D9B73}"/>
+              </a:ext>
+            </a:extLst>
+          </p:cNvPr>
+          <p:cNvPicPr>
+            <a:picLocks noGrp="1" noChangeAspect="1"/>
+          </p:cNvPicPr>
           <p:nvPr>
             <p:ph idx="1"/>
           </p:nvPr>
-        </p:nvSpPr>
-        <p:spPr/>
-        <p:txBody>
-          <a:bodyPr/>
-          <a:lstStyle/>
-          <a:p>
-            <a:r>
-              <a:rPr lang="it-IT" dirty="0"/>
-              <a:t>Durante lo sviluppo del progetto, sono emerse alcune sfide tecniche che hanno richiesto l'adozione di soluzioni alternative.</a:t>
-            </a:r>
-          </a:p>
-          <a:p>
-            <a:r>
-              <a:rPr lang="it-IT" dirty="0"/>
-              <a:t>Si è riscontrato un problema con il sensore di movimento, che creava troppi falsi positivi.</a:t>
-            </a:r>
-          </a:p>
-          <a:p>
-            <a:r>
-              <a:rPr lang="it-IT" dirty="0"/>
-              <a:t>Si è incontrata difficoltà nella stampa del case in 3D, poiché inizialmente si è tentato di stampare con una stampante che presentava difetti nel piatto.</a:t>
-            </a:r>
-          </a:p>
-          <a:p>
-            <a:endParaRPr lang="it-IT" dirty="0"/>
-          </a:p>
-        </p:txBody>
-      </p:sp>
+        </p:nvPicPr>
+        <p:blipFill>
+          <a:blip r:embed="rId2">
+            <a:extLst>
+              <a:ext uri="{28A0092B-C50C-407E-A947-70E740481C1C}">
+                <a14:useLocalDpi xmlns:a14="http://schemas.microsoft.com/office/drawing/2010/main" val="0"/>
+              </a:ext>
+            </a:extLst>
+          </a:blip>
+          <a:stretch>
+            <a:fillRect/>
+          </a:stretch>
+        </p:blipFill>
+        <p:spPr>
+          <a:xfrm>
+            <a:off x="1293809" y="1520792"/>
+            <a:ext cx="9857530" cy="5091764"/>
+          </a:xfrm>
+        </p:spPr>
+      </p:pic>
     </p:spTree>
     <p:extLst>
       <p:ext uri="{BB962C8B-B14F-4D97-AF65-F5344CB8AC3E}">
-        <p14:creationId xmlns:p14="http://schemas.microsoft.com/office/powerpoint/2010/main" val="124044250"/>
+        <p14:creationId xmlns:p14="http://schemas.microsoft.com/office/powerpoint/2010/main" val="3450649617"/>
       </p:ext>
     </p:extLst>
   </p:cSld>
@@ -5007,7 +5129,7 @@
           <p:cNvPr id="2" name="Titolo 1">
             <a:extLst>
               <a:ext uri="{FF2B5EF4-FFF2-40B4-BE49-F238E27FC236}">
-                <a16:creationId xmlns:a16="http://schemas.microsoft.com/office/drawing/2014/main" id="{AFAC9B1D-DB60-A606-5F6C-34E9D20C2254}"/>
+                <a16:creationId xmlns:a16="http://schemas.microsoft.com/office/drawing/2014/main" id="{8BEC497F-C2F3-7B35-5A7E-2AE32DA55E31}"/>
               </a:ext>
             </a:extLst>
           </p:cNvPr>
@@ -5025,78 +5147,51 @@
           <a:p>
             <a:r>
               <a:rPr lang="en-US" dirty="0"/>
-              <a:t>LAVORI FUTURI</a:t>
+              <a:t>SCHERMO LCD</a:t>
             </a:r>
             <a:endParaRPr lang="it-IT" dirty="0"/>
           </a:p>
         </p:txBody>
       </p:sp>
-      <p:sp>
-        <p:nvSpPr>
-          <p:cNvPr id="3" name="Segnaposto contenuto 2">
-            <a:extLst>
-              <a:ext uri="{FF2B5EF4-FFF2-40B4-BE49-F238E27FC236}">
-                <a16:creationId xmlns:a16="http://schemas.microsoft.com/office/drawing/2014/main" id="{D2B9B3AF-ED37-49F0-DF46-2D2463D0FB9C}"/>
-              </a:ext>
-            </a:extLst>
-          </p:cNvPr>
-          <p:cNvSpPr>
-            <a:spLocks noGrp="1"/>
-          </p:cNvSpPr>
+      <p:pic>
+        <p:nvPicPr>
+          <p:cNvPr id="5" name="Segnaposto contenuto 4" descr="Immagine che contiene circuito, schermata, linea, Ingegneria elettronica&#10;&#10;Il contenuto generato dall'IA potrebbe non essere corretto.">
+            <a:extLst>
+              <a:ext uri="{FF2B5EF4-FFF2-40B4-BE49-F238E27FC236}">
+                <a16:creationId xmlns:a16="http://schemas.microsoft.com/office/drawing/2014/main" id="{1AE317FD-2652-898A-03D0-441B206ACAA0}"/>
+              </a:ext>
+            </a:extLst>
+          </p:cNvPr>
+          <p:cNvPicPr>
+            <a:picLocks noGrp="1" noChangeAspect="1"/>
+          </p:cNvPicPr>
           <p:nvPr>
             <p:ph idx="1"/>
           </p:nvPr>
-        </p:nvSpPr>
-        <p:spPr/>
-        <p:txBody>
-          <a:bodyPr>
-            <a:normAutofit fontScale="85000" lnSpcReduction="20000"/>
-          </a:bodyPr>
-          <a:lstStyle/>
-          <a:p>
-            <a:r>
-              <a:rPr lang="it-IT" dirty="0"/>
-              <a:t>Ottimizzazione del Case 3D: si può migliorare il design integrando una chiusura magnetica per la parete rimovibile.</a:t>
-            </a:r>
-          </a:p>
-          <a:p>
-            <a:r>
-              <a:rPr lang="it-IT" dirty="0"/>
-              <a:t>Potenziamento delle Notifiche Fisiche: si può aumentare l'efficacia delle segnalazioni tattili e visive con un motorino vibrante più potente e LED ad alta luminosità o in numero maggiore.</a:t>
-            </a:r>
-          </a:p>
-          <a:p>
-            <a:r>
-              <a:rPr lang="it-IT" dirty="0"/>
-              <a:t>Maggiore Accessibilità: si potrebbe integrare un buzzer per fornire notifiche sonore personalizzabili, rendendo la sveglia fruibile anche per utenti ipoudenti.</a:t>
-            </a:r>
-          </a:p>
-          <a:p>
-            <a:r>
-              <a:rPr lang="it-IT" dirty="0"/>
-              <a:t>Funzionalità Software Avanzate: si possono introdurre sveglie ricorrenti dal bot Telegram o l'integrazione con servizi smart home.</a:t>
-            </a:r>
-          </a:p>
-          <a:p>
-            <a:r>
-              <a:rPr lang="it-IT" dirty="0"/>
-              <a:t>Affidabilità Migliorata: si può implementare un backup locale delle sveglie sul </a:t>
-            </a:r>
-            <a:r>
-              <a:rPr lang="it-IT" dirty="0" err="1"/>
-              <a:t>Raspberry</a:t>
-            </a:r>
-            <a:r>
-              <a:rPr lang="it-IT" dirty="0"/>
-              <a:t> Pi per garantire il funzionamento anche senza connessione internet.</a:t>
-            </a:r>
-          </a:p>
-        </p:txBody>
-      </p:sp>
+        </p:nvPicPr>
+        <p:blipFill>
+          <a:blip r:embed="rId2">
+            <a:extLst>
+              <a:ext uri="{28A0092B-C50C-407E-A947-70E740481C1C}">
+                <a14:useLocalDpi xmlns:a14="http://schemas.microsoft.com/office/drawing/2010/main" val="0"/>
+              </a:ext>
+            </a:extLst>
+          </a:blip>
+          <a:stretch>
+            <a:fillRect/>
+          </a:stretch>
+        </p:blipFill>
+        <p:spPr>
+          <a:xfrm>
+            <a:off x="1618314" y="1520982"/>
+            <a:ext cx="8955371" cy="5045280"/>
+          </a:xfrm>
+        </p:spPr>
+      </p:pic>
     </p:spTree>
     <p:extLst>
       <p:ext uri="{BB962C8B-B14F-4D97-AF65-F5344CB8AC3E}">
-        <p14:creationId xmlns:p14="http://schemas.microsoft.com/office/powerpoint/2010/main" val="3111798312"/>
+        <p14:creationId xmlns:p14="http://schemas.microsoft.com/office/powerpoint/2010/main" val="2816279099"/>
       </p:ext>
     </p:extLst>
   </p:cSld>
